--- a/Document/Innovation-project/BLTSP-mid-pre-Andrea.pptx
+++ b/Document/Innovation-project/BLTSP-mid-pre-Andrea.pptx
@@ -15708,7 +15708,7 @@
           <a:p>
             <a:r>
               <a:rPr lang="en-US" altLang="zh-CN" dirty="0"/>
-              <a:t>I already finish:</a:t>
+              <a:t>We already finish:</a:t>
             </a:r>
           </a:p>
           <a:p>
@@ -15728,7 +15728,7 @@
             </a:pPr>
             <a:r>
               <a:rPr lang="en-US" altLang="zh-CN" dirty="0"/>
-              <a:t>Run Cargo system and get result of simulation (PLAN A).</a:t>
+              <a:t>Run Cargo [VLDB2019] system and get result of simulation (PLAN A).</a:t>
             </a:r>
           </a:p>
           <a:p>
@@ -16105,7 +16105,9 @@
         </p:nvSpPr>
         <p:spPr/>
         <p:txBody>
-          <a:bodyPr/>
+          <a:bodyPr>
+            <a:normAutofit/>
+          </a:bodyPr>
           <a:lstStyle/>
           <a:p>
             <a:r>
@@ -16123,6 +16125,18 @@
             <a:r>
               <a:rPr lang="en-US" altLang="zh-CN" dirty="0"/>
               <a:t>But they have a lot of commons, so we can still use RSP model with penalty algorithm to make route fix.</a:t>
+            </a:r>
+          </a:p>
+          <a:p>
+            <a:pPr marL="0" indent="0">
+              <a:buNone/>
+            </a:pPr>
+            <a:endParaRPr lang="en-US" altLang="zh-CN" dirty="0"/>
+          </a:p>
+          <a:p>
+            <a:r>
+              <a:rPr lang="en-US" altLang="zh-CN" dirty="0"/>
+              <a:t>J. Pan, G. Li and J. Hu, "Ridesharing", Proceedings of the VLDB Endowment, vol. 12, no. 10, pp. 1085-1098, 2019. Available: 10.14778/3339490.3339493.</a:t>
             </a:r>
           </a:p>
         </p:txBody>
@@ -16275,7 +16289,7 @@
               <a:p>
                 <a:r>
                   <a:rPr lang="en-US" altLang="zh-CN" dirty="0"/>
-                  <a:t>Algorithm should plan (NP hard):</a:t>
+                  <a:t>Algorithm should plan:</a:t>
                 </a:r>
               </a:p>
               <a:p>
@@ -16432,8 +16446,8 @@
           </a:p>
         </p:txBody>
       </p:sp>
-      <mc:AlternateContent xmlns:mc="http://schemas.openxmlformats.org/markup-compatibility/2006">
-        <mc:Choice xmlns:a14="http://schemas.microsoft.com/office/drawing/2010/main" Requires="a14">
+      <mc:AlternateContent xmlns:mc="http://schemas.openxmlformats.org/markup-compatibility/2006" xmlns:a14="http://schemas.microsoft.com/office/drawing/2010/main">
+        <mc:Choice Requires="a14">
           <p:sp>
             <p:nvSpPr>
               <p:cNvPr id="3" name="内容占位符 2">
@@ -16470,7 +16484,7 @@
                     <m:limLow>
                       <m:limLowPr>
                         <m:ctrlPr>
-                          <a:rPr lang="en-US" altLang="zh-CN" b="0" i="0" smtClean="0">
+                          <a:rPr lang="en-US" altLang="zh-CN" b="0" i="1" smtClean="0">
                             <a:latin typeface="Cambria Math" panose="02040503050406030204" pitchFamily="18" charset="0"/>
                           </a:rPr>
                         </m:ctrlPr>
@@ -16492,7 +16506,7 @@
                             <m:begChr m:val="{"/>
                             <m:endChr m:val="}"/>
                             <m:ctrlPr>
-                              <a:rPr lang="en-US" altLang="zh-CN" b="0" i="0" smtClean="0">
+                              <a:rPr lang="en-US" altLang="zh-CN" b="0" i="1" smtClean="0">
                                 <a:latin typeface="Cambria Math" panose="02040503050406030204" pitchFamily="18" charset="0"/>
                               </a:rPr>
                             </m:ctrlPr>
@@ -17162,7 +17176,7 @@
             </p:txBody>
           </p:sp>
         </mc:Choice>
-        <mc:Fallback>
+        <mc:Fallback xmlns="">
           <p:sp>
             <p:nvSpPr>
               <p:cNvPr id="3" name="内容占位符 2">
